--- a/weekly_team_presentation/Gladiators week11.pptx
+++ b/weekly_team_presentation/Gladiators week11.pptx
@@ -16033,7 +16033,40 @@
               <a:buNone/>
             </a:pPr>
             <a:r>
-              <a:t/>
+              <a:rPr lang="en"/>
+              <a:t>AWS EC2: For frontend application and backend server</a:t>
+            </a:r>
+            <a:endParaRPr/>
+          </a:p>
+          <a:p>
+            <a:pPr indent="0" lvl="0" marL="0" rtl="0" algn="l">
+              <a:spcBef>
+                <a:spcPts val="600"/>
+              </a:spcBef>
+              <a:spcAft>
+                <a:spcPts val="0"/>
+              </a:spcAft>
+              <a:buNone/>
+            </a:pPr>
+            <a:r>
+              <a:rPr lang="en"/>
+              <a:t>AWS S3: For storing product images</a:t>
+            </a:r>
+            <a:endParaRPr/>
+          </a:p>
+          <a:p>
+            <a:pPr indent="0" lvl="0" marL="0" rtl="0" algn="l">
+              <a:spcBef>
+                <a:spcPts val="600"/>
+              </a:spcBef>
+              <a:spcAft>
+                <a:spcPts val="0"/>
+              </a:spcAft>
+              <a:buNone/>
+            </a:pPr>
+            <a:r>
+              <a:rPr lang="en"/>
+              <a:t>MongoDB Atlas: For hosting Mongo DB</a:t>
             </a:r>
             <a:endParaRPr/>
           </a:p>
